--- a/Exposicion.pptx
+++ b/Exposicion.pptx
@@ -477,11 +477,6 @@
         </p:txBody>
       </p:sp>
     </p:spTree>
-    <p:extLst>
-      <p:ext uri="{BB962C8B-B14F-4D97-AF65-F5344CB8AC3E}">
-        <p14:creationId xmlns:p14="http://schemas.microsoft.com/office/powerpoint/2010/main" val="3474919122"/>
-      </p:ext>
-    </p:extLst>
   </p:cSld>
   <p:clrMap bg1="lt1" tx1="dk1" bg2="dk2" tx2="lt2" accent1="accent1" accent2="accent2" accent3="accent3" accent4="accent4" accent5="accent5" accent6="accent6" hlink="hlink" folHlink="folHlink"/>
   <p:notesStyle>
@@ -813,11 +808,6 @@
         </p:spPr>
       </p:sp>
     </p:spTree>
-    <p:extLst>
-      <p:ext uri="{BB962C8B-B14F-4D97-AF65-F5344CB8AC3E}">
-        <p14:creationId xmlns:p14="http://schemas.microsoft.com/office/powerpoint/2010/main" val="2514421910"/>
-      </p:ext>
-    </p:extLst>
   </p:cSld>
   <p:clrMapOvr>
     <a:masterClrMapping/>
@@ -922,11 +912,6 @@
         </p:txBody>
       </p:sp>
     </p:spTree>
-    <p:extLst>
-      <p:ext uri="{BB962C8B-B14F-4D97-AF65-F5344CB8AC3E}">
-        <p14:creationId xmlns:p14="http://schemas.microsoft.com/office/powerpoint/2010/main" val="1675920551"/>
-      </p:ext>
-    </p:extLst>
   </p:cSld>
   <p:clrMapOvr>
     <a:masterClrMapping/>
@@ -1031,11 +1016,6 @@
         </p:txBody>
       </p:sp>
     </p:spTree>
-    <p:extLst>
-      <p:ext uri="{BB962C8B-B14F-4D97-AF65-F5344CB8AC3E}">
-        <p14:creationId xmlns:p14="http://schemas.microsoft.com/office/powerpoint/2010/main" val="1027357432"/>
-      </p:ext>
-    </p:extLst>
   </p:cSld>
   <p:clrMapOvr>
     <a:masterClrMapping/>
@@ -1140,11 +1120,6 @@
         </p:txBody>
       </p:sp>
     </p:spTree>
-    <p:extLst>
-      <p:ext uri="{BB962C8B-B14F-4D97-AF65-F5344CB8AC3E}">
-        <p14:creationId xmlns:p14="http://schemas.microsoft.com/office/powerpoint/2010/main" val="3807025635"/>
-      </p:ext>
-    </p:extLst>
   </p:cSld>
   <p:clrMapOvr>
     <a:masterClrMapping/>
@@ -1249,11 +1224,6 @@
         </p:txBody>
       </p:sp>
     </p:spTree>
-    <p:extLst>
-      <p:ext uri="{BB962C8B-B14F-4D97-AF65-F5344CB8AC3E}">
-        <p14:creationId xmlns:p14="http://schemas.microsoft.com/office/powerpoint/2010/main" val="3727448827"/>
-      </p:ext>
-    </p:extLst>
   </p:cSld>
   <p:clrMapOvr>
     <a:masterClrMapping/>
@@ -1358,11 +1328,6 @@
         </p:txBody>
       </p:sp>
     </p:spTree>
-    <p:extLst>
-      <p:ext uri="{BB962C8B-B14F-4D97-AF65-F5344CB8AC3E}">
-        <p14:creationId xmlns:p14="http://schemas.microsoft.com/office/powerpoint/2010/main" val="2916276021"/>
-      </p:ext>
-    </p:extLst>
   </p:cSld>
   <p:clrMapOvr>
     <a:masterClrMapping/>
@@ -1467,11 +1432,6 @@
         </p:txBody>
       </p:sp>
     </p:spTree>
-    <p:extLst>
-      <p:ext uri="{BB962C8B-B14F-4D97-AF65-F5344CB8AC3E}">
-        <p14:creationId xmlns:p14="http://schemas.microsoft.com/office/powerpoint/2010/main" val="4146933097"/>
-      </p:ext>
-    </p:extLst>
   </p:cSld>
   <p:clrMapOvr>
     <a:masterClrMapping/>
@@ -1576,11 +1536,6 @@
         </p:txBody>
       </p:sp>
     </p:spTree>
-    <p:extLst>
-      <p:ext uri="{BB962C8B-B14F-4D97-AF65-F5344CB8AC3E}">
-        <p14:creationId xmlns:p14="http://schemas.microsoft.com/office/powerpoint/2010/main" val="1788940384"/>
-      </p:ext>
-    </p:extLst>
   </p:cSld>
   <p:clrMapOvr>
     <a:masterClrMapping/>
@@ -1685,11 +1640,6 @@
         </p:txBody>
       </p:sp>
     </p:spTree>
-    <p:extLst>
-      <p:ext uri="{BB962C8B-B14F-4D97-AF65-F5344CB8AC3E}">
-        <p14:creationId xmlns:p14="http://schemas.microsoft.com/office/powerpoint/2010/main" val="1713304947"/>
-      </p:ext>
-    </p:extLst>
   </p:cSld>
   <p:clrMapOvr>
     <a:masterClrMapping/>
@@ -1794,11 +1744,6 @@
         </p:txBody>
       </p:sp>
     </p:spTree>
-    <p:extLst>
-      <p:ext uri="{BB962C8B-B14F-4D97-AF65-F5344CB8AC3E}">
-        <p14:creationId xmlns:p14="http://schemas.microsoft.com/office/powerpoint/2010/main" val="801473856"/>
-      </p:ext>
-    </p:extLst>
   </p:cSld>
   <p:clrMapOvr>
     <a:masterClrMapping/>
@@ -1903,11 +1848,6 @@
         </p:txBody>
       </p:sp>
     </p:spTree>
-    <p:extLst>
-      <p:ext uri="{BB962C8B-B14F-4D97-AF65-F5344CB8AC3E}">
-        <p14:creationId xmlns:p14="http://schemas.microsoft.com/office/powerpoint/2010/main" val="3587311166"/>
-      </p:ext>
-    </p:extLst>
   </p:cSld>
   <p:clrMapOvr>
     <a:masterClrMapping/>
@@ -2012,11 +1952,6 @@
         </p:spPr>
       </p:sp>
     </p:spTree>
-    <p:extLst>
-      <p:ext uri="{BB962C8B-B14F-4D97-AF65-F5344CB8AC3E}">
-        <p14:creationId xmlns:p14="http://schemas.microsoft.com/office/powerpoint/2010/main" val="2345971190"/>
-      </p:ext>
-    </p:extLst>
   </p:cSld>
   <p:clrMapOvr>
     <a:masterClrMapping/>
@@ -2121,11 +2056,6 @@
         </p:txBody>
       </p:sp>
     </p:spTree>
-    <p:extLst>
-      <p:ext uri="{BB962C8B-B14F-4D97-AF65-F5344CB8AC3E}">
-        <p14:creationId xmlns:p14="http://schemas.microsoft.com/office/powerpoint/2010/main" val="3682590001"/>
-      </p:ext>
-    </p:extLst>
   </p:cSld>
   <p:clrMapOvr>
     <a:masterClrMapping/>
@@ -2230,11 +2160,6 @@
         </p:txBody>
       </p:sp>
     </p:spTree>
-    <p:extLst>
-      <p:ext uri="{BB962C8B-B14F-4D97-AF65-F5344CB8AC3E}">
-        <p14:creationId xmlns:p14="http://schemas.microsoft.com/office/powerpoint/2010/main" val="1644955856"/>
-      </p:ext>
-    </p:extLst>
   </p:cSld>
   <p:clrMapOvr>
     <a:masterClrMapping/>
@@ -2339,11 +2264,6 @@
         </p:txBody>
       </p:sp>
     </p:spTree>
-    <p:extLst>
-      <p:ext uri="{BB962C8B-B14F-4D97-AF65-F5344CB8AC3E}">
-        <p14:creationId xmlns:p14="http://schemas.microsoft.com/office/powerpoint/2010/main" val="3097964363"/>
-      </p:ext>
-    </p:extLst>
   </p:cSld>
   <p:clrMapOvr>
     <a:masterClrMapping/>
@@ -2448,11 +2368,6 @@
         </p:spPr>
       </p:sp>
     </p:spTree>
-    <p:extLst>
-      <p:ext uri="{BB962C8B-B14F-4D97-AF65-F5344CB8AC3E}">
-        <p14:creationId xmlns:p14="http://schemas.microsoft.com/office/powerpoint/2010/main" val="2990530178"/>
-      </p:ext>
-    </p:extLst>
   </p:cSld>
   <p:clrMapOvr>
     <a:masterClrMapping/>
@@ -2557,11 +2472,6 @@
         </p:spPr>
       </p:sp>
     </p:spTree>
-    <p:extLst>
-      <p:ext uri="{BB962C8B-B14F-4D97-AF65-F5344CB8AC3E}">
-        <p14:creationId xmlns:p14="http://schemas.microsoft.com/office/powerpoint/2010/main" val="3487566322"/>
-      </p:ext>
-    </p:extLst>
   </p:cSld>
   <p:clrMapOvr>
     <a:masterClrMapping/>
@@ -2666,11 +2576,6 @@
         </p:txBody>
       </p:sp>
     </p:spTree>
-    <p:extLst>
-      <p:ext uri="{BB962C8B-B14F-4D97-AF65-F5344CB8AC3E}">
-        <p14:creationId xmlns:p14="http://schemas.microsoft.com/office/powerpoint/2010/main" val="4181195504"/>
-      </p:ext>
-    </p:extLst>
   </p:cSld>
   <p:clrMapOvr>
     <a:masterClrMapping/>
@@ -2775,11 +2680,6 @@
         </p:spPr>
       </p:sp>
     </p:spTree>
-    <p:extLst>
-      <p:ext uri="{BB962C8B-B14F-4D97-AF65-F5344CB8AC3E}">
-        <p14:creationId xmlns:p14="http://schemas.microsoft.com/office/powerpoint/2010/main" val="3937579223"/>
-      </p:ext>
-    </p:extLst>
   </p:cSld>
   <p:clrMapOvr>
     <a:masterClrMapping/>
@@ -2884,11 +2784,6 @@
         </p:txBody>
       </p:sp>
     </p:spTree>
-    <p:extLst>
-      <p:ext uri="{BB962C8B-B14F-4D97-AF65-F5344CB8AC3E}">
-        <p14:creationId xmlns:p14="http://schemas.microsoft.com/office/powerpoint/2010/main" val="2751789382"/>
-      </p:ext>
-    </p:extLst>
   </p:cSld>
   <p:clrMapOvr>
     <a:masterClrMapping/>
@@ -2993,11 +2888,6 @@
         </p:txBody>
       </p:sp>
     </p:spTree>
-    <p:extLst>
-      <p:ext uri="{BB962C8B-B14F-4D97-AF65-F5344CB8AC3E}">
-        <p14:creationId xmlns:p14="http://schemas.microsoft.com/office/powerpoint/2010/main" val="2974943801"/>
-      </p:ext>
-    </p:extLst>
   </p:cSld>
   <p:clrMapOvr>
     <a:masterClrMapping/>
@@ -3102,11 +2992,6 @@
         </p:txBody>
       </p:sp>
     </p:spTree>
-    <p:extLst>
-      <p:ext uri="{BB962C8B-B14F-4D97-AF65-F5344CB8AC3E}">
-        <p14:creationId xmlns:p14="http://schemas.microsoft.com/office/powerpoint/2010/main" val="1423486166"/>
-      </p:ext>
-    </p:extLst>
   </p:cSld>
   <p:clrMapOvr>
     <a:masterClrMapping/>
@@ -13627,14 +13512,14 @@
               <a:buNone/>
             </a:pPr>
             <a:r>
-              <a:rPr lang="es-ES" sz="6000"/>
-              <a:t>Suit  inventory administrator°</a:t>
+              <a:rPr lang="es-ES" sz="6000" dirty="0"/>
+              <a:t>Suit  inventory administrator</a:t>
             </a:r>
             <a:r>
-              <a:rPr lang="es-ES" sz="4800"/>
+              <a:rPr lang="es-ES" sz="4800" dirty="0"/>
               <a:t>	</a:t>
             </a:r>
-            <a:endParaRPr sz="4800"/>
+            <a:endParaRPr sz="4800" dirty="0"/>
           </a:p>
         </p:txBody>
       </p:sp>
@@ -13681,7 +13566,7 @@
               <a:buNone/>
             </a:pPr>
             <a:r>
-              <a:rPr lang="es-ES" sz="1800">
+              <a:rPr lang="es-ES" sz="1800" dirty="0">
                 <a:solidFill>
                   <a:srgbClr val="FFFFFF"/>
                 </a:solidFill>
@@ -13689,14 +13574,14 @@
               <a:t>JOHAN BARRETO </a:t>
             </a:r>
             <a:br>
-              <a:rPr lang="es-ES" sz="1800">
+              <a:rPr lang="es-ES" sz="1800" dirty="0">
                 <a:solidFill>
                   <a:srgbClr val="FFFFFF"/>
                 </a:solidFill>
               </a:rPr>
             </a:br>
             <a:r>
-              <a:rPr lang="es-ES" sz="1800">
+              <a:rPr lang="es-ES" sz="1800" dirty="0">
                 <a:solidFill>
                   <a:srgbClr val="FFFFFF"/>
                 </a:solidFill>
@@ -13704,14 +13589,14 @@
               <a:t>GUSTAVO RIAÑO</a:t>
             </a:r>
             <a:br>
-              <a:rPr lang="es-ES" sz="1800">
+              <a:rPr lang="es-ES" sz="1800" dirty="0">
                 <a:solidFill>
                   <a:srgbClr val="FFFFFF"/>
                 </a:solidFill>
               </a:rPr>
             </a:br>
             <a:r>
-              <a:rPr lang="es-ES" sz="1800">
+              <a:rPr lang="es-ES" sz="1800" dirty="0">
                 <a:solidFill>
                   <a:srgbClr val="FFFFFF"/>
                 </a:solidFill>
@@ -13719,21 +13604,21 @@
               <a:t>ADRIÁN CAMILO </a:t>
             </a:r>
             <a:br>
-              <a:rPr lang="es-ES" sz="1800">
+              <a:rPr lang="es-ES" sz="1800" dirty="0">
                 <a:solidFill>
                   <a:srgbClr val="FFFFFF"/>
                 </a:solidFill>
               </a:rPr>
             </a:br>
             <a:r>
-              <a:rPr lang="es-ES" sz="1800">
+              <a:rPr lang="es-ES" sz="1800" dirty="0">
                 <a:solidFill>
                   <a:srgbClr val="FFFFFF"/>
                 </a:solidFill>
               </a:rPr>
               <a:t>SEBASTIÁN VANEGAS</a:t>
             </a:r>
-            <a:endParaRPr sz="1800">
+            <a:endParaRPr sz="1800" dirty="0">
               <a:solidFill>
                 <a:srgbClr val="FFFFFF"/>
               </a:solidFill>
@@ -13757,8 +13642,8 @@
         </p:blipFill>
         <p:spPr>
           <a:xfrm>
-            <a:off x="4977275" y="3336125"/>
-            <a:ext cx="2952124" cy="2782800"/>
+            <a:off x="4214100" y="3160633"/>
+            <a:ext cx="3763799" cy="3212457"/>
           </a:xfrm>
           <a:prstGeom prst="rect">
             <a:avLst/>
@@ -13800,18 +13685,17 @@
           <p:cNvPicPr preferRelativeResize="0"/>
           <p:nvPr/>
         </p:nvPicPr>
-        <p:blipFill>
+        <p:blipFill rotWithShape="1">
           <a:blip r:embed="rId3">
             <a:alphaModFix/>
           </a:blip>
-          <a:stretch>
-            <a:fillRect/>
-          </a:stretch>
+          <a:srcRect l="1762" t="3716" r="1755" b="18581"/>
+          <a:stretch/>
         </p:blipFill>
         <p:spPr>
           <a:xfrm>
-            <a:off x="-434925" y="-55425"/>
-            <a:ext cx="12739774" cy="6679375"/>
+            <a:off x="332509" y="591127"/>
+            <a:ext cx="11526981" cy="6003636"/>
           </a:xfrm>
           <a:prstGeom prst="rect">
             <a:avLst/>
@@ -13853,18 +13737,17 @@
           <p:cNvPicPr preferRelativeResize="0"/>
           <p:nvPr/>
         </p:nvPicPr>
-        <p:blipFill>
+        <p:blipFill rotWithShape="1">
           <a:blip r:embed="rId3">
             <a:alphaModFix/>
           </a:blip>
-          <a:stretch>
-            <a:fillRect/>
-          </a:stretch>
+          <a:srcRect l="1228" t="1396" r="1827" b="26469"/>
+          <a:stretch/>
         </p:blipFill>
         <p:spPr>
           <a:xfrm>
-            <a:off x="-596200" y="-242875"/>
-            <a:ext cx="12452225" cy="8255825"/>
+            <a:off x="341746" y="572656"/>
+            <a:ext cx="11259128" cy="5394036"/>
           </a:xfrm>
           <a:prstGeom prst="rect">
             <a:avLst/>
@@ -13875,6 +13758,42 @@
           </a:ln>
         </p:spPr>
       </p:pic>
+      <p:cxnSp>
+        <p:nvCxnSpPr>
+          <p:cNvPr id="3" name="Conector recto 2">
+            <a:extLst>
+              <a:ext uri="{FF2B5EF4-FFF2-40B4-BE49-F238E27FC236}">
+                <a16:creationId xmlns:a16="http://schemas.microsoft.com/office/drawing/2014/main" id="{0E6A6F91-C764-451D-87D2-9C5A129D1836}"/>
+              </a:ext>
+            </a:extLst>
+          </p:cNvPr>
+          <p:cNvCxnSpPr/>
+          <p:nvPr/>
+        </p:nvCxnSpPr>
+        <p:spPr>
+          <a:xfrm>
+            <a:off x="424873" y="5966692"/>
+            <a:ext cx="11176001" cy="0"/>
+          </a:xfrm>
+          <a:prstGeom prst="line">
+            <a:avLst/>
+          </a:prstGeom>
+        </p:spPr>
+        <p:style>
+          <a:lnRef idx="1">
+            <a:schemeClr val="dk1"/>
+          </a:lnRef>
+          <a:fillRef idx="0">
+            <a:schemeClr val="dk1"/>
+          </a:fillRef>
+          <a:effectRef idx="0">
+            <a:schemeClr val="dk1"/>
+          </a:effectRef>
+          <a:fontRef idx="minor">
+            <a:schemeClr val="tx1"/>
+          </a:fontRef>
+        </p:style>
+      </p:cxnSp>
     </p:spTree>
   </p:cSld>
   <p:clrMapOvr>
@@ -13906,18 +13825,17 @@
           <p:cNvPicPr preferRelativeResize="0"/>
           <p:nvPr/>
         </p:nvPicPr>
-        <p:blipFill>
+        <p:blipFill rotWithShape="1">
           <a:blip r:embed="rId3">
             <a:alphaModFix/>
           </a:blip>
-          <a:stretch>
-            <a:fillRect/>
-          </a:stretch>
+          <a:srcRect l="909" t="1591" r="832" b="13376"/>
+          <a:stretch/>
         </p:blipFill>
         <p:spPr>
           <a:xfrm>
-            <a:off x="-1230375" y="-737125"/>
-            <a:ext cx="14341125" cy="9134126"/>
+            <a:off x="110836" y="572655"/>
+            <a:ext cx="11979564" cy="6003636"/>
           </a:xfrm>
           <a:prstGeom prst="rect">
             <a:avLst/>
@@ -13959,18 +13877,17 @@
           <p:cNvPicPr preferRelativeResize="0"/>
           <p:nvPr/>
         </p:nvPicPr>
-        <p:blipFill>
+        <p:blipFill rotWithShape="1">
           <a:blip r:embed="rId3">
             <a:alphaModFix/>
           </a:blip>
-          <a:stretch>
-            <a:fillRect/>
-          </a:stretch>
+          <a:srcRect t="2742" r="996" b="13628"/>
+          <a:stretch/>
         </p:blipFill>
         <p:spPr>
           <a:xfrm>
-            <a:off x="197575" y="306000"/>
-            <a:ext cx="11919275" cy="6949550"/>
+            <a:off x="295564" y="674255"/>
+            <a:ext cx="11702472" cy="5634180"/>
           </a:xfrm>
           <a:prstGeom prst="rect">
             <a:avLst/>
@@ -14012,18 +13929,17 @@
           <p:cNvPicPr preferRelativeResize="0"/>
           <p:nvPr/>
         </p:nvPicPr>
-        <p:blipFill>
+        <p:blipFill rotWithShape="1">
           <a:blip r:embed="rId3">
             <a:alphaModFix/>
           </a:blip>
-          <a:stretch>
-            <a:fillRect/>
-          </a:stretch>
+          <a:srcRect l="1886" t="1995" r="1637" b="12884"/>
+          <a:stretch/>
         </p:blipFill>
         <p:spPr>
           <a:xfrm>
-            <a:off x="-129325" y="-57875"/>
-            <a:ext cx="13718976" cy="7872225"/>
+            <a:off x="604981" y="600364"/>
+            <a:ext cx="10982038" cy="6031346"/>
           </a:xfrm>
           <a:prstGeom prst="rect">
             <a:avLst/>
@@ -14059,45 +13975,6 @@
           <a:chExt cx="0" cy="0"/>
         </a:xfrm>
       </p:grpSpPr>
-      <p:sp>
-        <p:nvSpPr>
-          <p:cNvPr id="181" name="Google Shape;181;p28"/>
-          <p:cNvSpPr txBox="1">
-            <a:spLocks noGrp="1"/>
-          </p:cNvSpPr>
-          <p:nvPr>
-            <p:ph type="body" idx="1"/>
-          </p:nvPr>
-        </p:nvSpPr>
-        <p:spPr>
-          <a:xfrm>
-            <a:off x="417117" y="2180496"/>
-            <a:ext cx="11029500" cy="3678300"/>
-          </a:xfrm>
-          <a:prstGeom prst="rect">
-            <a:avLst/>
-          </a:prstGeom>
-        </p:spPr>
-        <p:txBody>
-          <a:bodyPr spcFirstLastPara="1" wrap="square" lIns="91425" tIns="45700" rIns="91425" bIns="45700" anchor="ctr" anchorCtr="0">
-            <a:noAutofit/>
-          </a:bodyPr>
-          <a:lstStyle/>
-          <a:p>
-            <a:pPr marL="457200" lvl="0" indent="-381000" algn="l" rtl="0">
-              <a:spcBef>
-                <a:spcPts val="360"/>
-              </a:spcBef>
-              <a:spcAft>
-                <a:spcPts val="0"/>
-              </a:spcAft>
-              <a:buSzPts val="2400"/>
-              <a:buChar char="●"/>
-            </a:pPr>
-            <a:endParaRPr sz="2400"/>
-          </a:p>
-        </p:txBody>
-      </p:sp>
       <p:pic>
         <p:nvPicPr>
           <p:cNvPr id="182" name="Google Shape;182;p28"/>
@@ -14114,8 +13991,8 @@
         </p:blipFill>
         <p:spPr>
           <a:xfrm>
-            <a:off x="331150" y="0"/>
-            <a:ext cx="11963649" cy="6712700"/>
+            <a:off x="463787" y="701963"/>
+            <a:ext cx="11264425" cy="5938982"/>
           </a:xfrm>
           <a:prstGeom prst="rect">
             <a:avLst/>
@@ -14162,10 +14039,6 @@
           </p:nvPr>
         </p:nvSpPr>
         <p:spPr>
-          <a:xfrm>
-            <a:off x="581192" y="702156"/>
-            <a:ext cx="11029500" cy="1013700"/>
-          </a:xfrm>
           <a:prstGeom prst="rect">
             <a:avLst/>
           </a:prstGeom>
@@ -14875,16 +14748,15 @@
               <a:buNone/>
             </a:pPr>
             <a:r>
-              <a:rPr lang="es-ES" sz="4800" dirty="0">
+              <a:rPr lang="es-ES" sz="4800">
                 <a:latin typeface="Gill Sans"/>
                 <a:ea typeface="Gill Sans"/>
                 <a:cs typeface="Gill Sans"/>
                 <a:sym typeface="Gill Sans"/>
-                <a:hlinkClick r:id="rId3" action="ppaction://hlinkfile"/>
               </a:rPr>
               <a:t>Diagrama de casos de uso</a:t>
             </a:r>
-            <a:endParaRPr sz="4800" dirty="0">
+            <a:endParaRPr sz="4800">
               <a:latin typeface="Gill Sans"/>
               <a:ea typeface="Gill Sans"/>
               <a:cs typeface="Gill Sans"/>
@@ -14953,16 +14825,15 @@
               <a:buNone/>
             </a:pPr>
             <a:r>
-              <a:rPr lang="es-ES" sz="4800" dirty="0">
+              <a:rPr lang="es-ES" sz="4800">
                 <a:latin typeface="Gill Sans"/>
                 <a:ea typeface="Gill Sans"/>
                 <a:cs typeface="Gill Sans"/>
                 <a:sym typeface="Gill Sans"/>
-                <a:hlinkClick r:id="rId3" action="ppaction://hlinkfile"/>
               </a:rPr>
               <a:t>Casos de uso extendidos.</a:t>
             </a:r>
-            <a:endParaRPr sz="4800" dirty="0">
+            <a:endParaRPr sz="4800">
               <a:latin typeface="Gill Sans"/>
               <a:ea typeface="Gill Sans"/>
               <a:cs typeface="Gill Sans"/>
@@ -15007,10 +14878,6 @@
           </p:nvPr>
         </p:nvSpPr>
         <p:spPr>
-          <a:xfrm>
-            <a:off x="581192" y="702156"/>
-            <a:ext cx="11029500" cy="1013700"/>
-          </a:xfrm>
           <a:prstGeom prst="rect">
             <a:avLst/>
           </a:prstGeom>
@@ -15130,10 +14997,6 @@
           </p:nvPr>
         </p:nvSpPr>
         <p:spPr>
-          <a:xfrm>
-            <a:off x="581192" y="702156"/>
-            <a:ext cx="11029500" cy="1013700"/>
-          </a:xfrm>
           <a:prstGeom prst="rect">
             <a:avLst/>
           </a:prstGeom>
@@ -15225,10 +15088,6 @@
           </p:nvPr>
         </p:nvSpPr>
         <p:spPr>
-          <a:xfrm>
-            <a:off x="581192" y="702156"/>
-            <a:ext cx="11029500" cy="1013700"/>
-          </a:xfrm>
           <a:prstGeom prst="rect">
             <a:avLst/>
           </a:prstGeom>
@@ -15291,16 +15150,15 @@
               <a:buNone/>
             </a:pPr>
             <a:r>
-              <a:rPr lang="es-ES" sz="4800" dirty="0">
+              <a:rPr lang="es-ES" sz="4800">
                 <a:latin typeface="Gill Sans"/>
                 <a:ea typeface="Gill Sans"/>
                 <a:cs typeface="Gill Sans"/>
                 <a:sym typeface="Gill Sans"/>
-                <a:hlinkClick r:id="rId3" action="ppaction://hlinkfile"/>
               </a:rPr>
               <a:t>Diccionario de datos</a:t>
             </a:r>
-            <a:endParaRPr sz="4800" dirty="0">
+            <a:endParaRPr sz="4800">
               <a:latin typeface="Gill Sans"/>
               <a:ea typeface="Gill Sans"/>
               <a:cs typeface="Gill Sans"/>
@@ -15345,10 +15203,6 @@
           </p:nvPr>
         </p:nvSpPr>
         <p:spPr>
-          <a:xfrm>
-            <a:off x="581192" y="702156"/>
-            <a:ext cx="11029500" cy="1013700"/>
-          </a:xfrm>
           <a:prstGeom prst="rect">
             <a:avLst/>
           </a:prstGeom>
@@ -15411,16 +15265,15 @@
               <a:buNone/>
             </a:pPr>
             <a:r>
-              <a:rPr lang="es-ES" sz="4800" dirty="0">
+              <a:rPr lang="es-ES" sz="4800">
                 <a:latin typeface="Gill Sans"/>
                 <a:ea typeface="Gill Sans"/>
                 <a:cs typeface="Gill Sans"/>
                 <a:sym typeface="Gill Sans"/>
-                <a:hlinkClick r:id="rId3" action="ppaction://hlinkfile"/>
               </a:rPr>
               <a:t>Diagrama de despliegue.</a:t>
             </a:r>
-            <a:endParaRPr sz="4800" dirty="0">
+            <a:endParaRPr sz="4800">
               <a:latin typeface="Gill Sans"/>
               <a:ea typeface="Gill Sans"/>
               <a:cs typeface="Gill Sans"/>
@@ -15667,17 +15520,9 @@
               <a:buSzPts val="1656"/>
               <a:buNone/>
             </a:pPr>
-            <a:r>
-              <a:rPr lang="es-ES" sz="2400"/>
-              <a:t/>
-            </a:r>
             <a:br>
               <a:rPr lang="es-ES" sz="2400"/>
             </a:br>
-            <a:r>
-              <a:rPr lang="es-ES"/>
-              <a:t/>
-            </a:r>
             <a:br>
               <a:rPr lang="es-ES"/>
             </a:br>
@@ -15721,10 +15566,6 @@
           </p:nvPr>
         </p:nvSpPr>
         <p:spPr>
-          <a:xfrm>
-            <a:off x="581192" y="702156"/>
-            <a:ext cx="11029616" cy="1013800"/>
-          </a:xfrm>
           <a:prstGeom prst="rect">
             <a:avLst/>
           </a:prstGeom>
@@ -15772,10 +15613,6 @@
           </p:nvPr>
         </p:nvSpPr>
         <p:spPr>
-          <a:xfrm>
-            <a:off x="581192" y="2180496"/>
-            <a:ext cx="11029615" cy="3678303"/>
-          </a:xfrm>
           <a:prstGeom prst="rect">
             <a:avLst/>
           </a:prstGeom>
@@ -15801,10 +15638,10 @@
               <a:buChar char="◼"/>
             </a:pPr>
             <a:r>
-              <a:rPr lang="es-ES" sz="2400"/>
-              <a:t>El proyecto suit inventory administrator tiene fundamentos en el desarrollo de software, su desarrollo se llevará a cabo para poder dar la solución al problema del mal manejo del inventario en un alquiler de trajes , proporcionando un software que le permita al administrador manejar la información del inventario clasificandolo en trajes, vestido y accesorio cada uno con sus respectivas características, y proporcionar un módulo que gestione los alquileres registrando la información requerida por el negocio para la realización de los alquileres.. </a:t>
+              <a:rPr lang="es-ES" sz="2400" dirty="0"/>
+              <a:t>El proyecto suit inventory administrator tiene fundamentos en el desarrollo de software, su desarrollo se llevará a cabo para poder dar la solución al problema del mal manejo del inventario en un alquiler de trajes , proporcionando un software que le permita al administrador manejar la información del inventario clasificándolo en trajes, vestido y accesorio cada uno con sus respectivas características, y proporcionar un módulo que gestione los alquileres registrando la información requerida por el negocio para la realización de los alquileres.. </a:t>
             </a:r>
-            <a:endParaRPr/>
+            <a:endParaRPr dirty="0"/>
           </a:p>
           <a:p>
             <a:pPr marL="0" lvl="0" indent="0" algn="l" rtl="0">
@@ -15817,14 +15654,10 @@
               <a:buSzPts val="1656"/>
               <a:buNone/>
             </a:pPr>
-            <a:r>
-              <a:rPr lang="es-ES"/>
-              <a:t/>
-            </a:r>
             <a:br>
-              <a:rPr lang="es-ES"/>
+              <a:rPr lang="es-ES" dirty="0"/>
             </a:br>
-            <a:endParaRPr/>
+            <a:endParaRPr dirty="0"/>
           </a:p>
         </p:txBody>
       </p:sp>
@@ -15864,10 +15697,6 @@
           </p:nvPr>
         </p:nvSpPr>
         <p:spPr>
-          <a:xfrm>
-            <a:off x="581192" y="702156"/>
-            <a:ext cx="11029500" cy="1013700"/>
-          </a:xfrm>
           <a:prstGeom prst="rect">
             <a:avLst/>
           </a:prstGeom>
@@ -16109,10 +15938,6 @@
               <a:buSzPts val="1656"/>
               <a:buNone/>
             </a:pPr>
-            <a:r>
-              <a:rPr lang="es-ES" sz="2400"/>
-              <a:t/>
-            </a:r>
             <a:br>
               <a:rPr lang="es-ES" sz="2400"/>
             </a:br>
@@ -16186,10 +16011,6 @@
           </p:nvPr>
         </p:nvSpPr>
         <p:spPr>
-          <a:xfrm>
-            <a:off x="581192" y="702156"/>
-            <a:ext cx="11029500" cy="1013700"/>
-          </a:xfrm>
           <a:prstGeom prst="rect">
             <a:avLst/>
           </a:prstGeom>
@@ -16352,18 +16173,17 @@
           <p:cNvPicPr preferRelativeResize="0"/>
           <p:nvPr/>
         </p:nvPicPr>
-        <p:blipFill>
+        <p:blipFill rotWithShape="1">
           <a:blip r:embed="rId3">
             <a:alphaModFix/>
           </a:blip>
-          <a:stretch>
-            <a:fillRect/>
-          </a:stretch>
+          <a:srcRect l="1600" t="2244" r="1295"/>
+          <a:stretch/>
         </p:blipFill>
         <p:spPr>
           <a:xfrm>
-            <a:off x="-876300" y="190600"/>
-            <a:ext cx="14574374" cy="8421250"/>
+            <a:off x="193964" y="563418"/>
+            <a:ext cx="11767127" cy="8048431"/>
           </a:xfrm>
           <a:prstGeom prst="rect">
             <a:avLst/>
@@ -16405,18 +16225,17 @@
           <p:cNvPicPr preferRelativeResize="0"/>
           <p:nvPr/>
         </p:nvPicPr>
-        <p:blipFill>
+        <p:blipFill rotWithShape="1">
           <a:blip r:embed="rId3">
             <a:alphaModFix/>
           </a:blip>
-          <a:stretch>
-            <a:fillRect/>
-          </a:stretch>
+          <a:srcRect l="1219" t="10328" r="14854" b="11442"/>
+          <a:stretch/>
         </p:blipFill>
         <p:spPr>
           <a:xfrm>
-            <a:off x="-1571725" y="-254525"/>
-            <a:ext cx="16034749" cy="7025025"/>
+            <a:off x="406399" y="729673"/>
+            <a:ext cx="11055928" cy="5708072"/>
           </a:xfrm>
           <a:prstGeom prst="rect">
             <a:avLst/>
@@ -16427,6 +16246,78 @@
           </a:ln>
         </p:spPr>
       </p:pic>
+      <p:cxnSp>
+        <p:nvCxnSpPr>
+          <p:cNvPr id="3" name="Conector recto 2">
+            <a:extLst>
+              <a:ext uri="{FF2B5EF4-FFF2-40B4-BE49-F238E27FC236}">
+                <a16:creationId xmlns:a16="http://schemas.microsoft.com/office/drawing/2014/main" id="{D098D634-C40C-4BB9-ACB2-B2D4C1C4FC8D}"/>
+              </a:ext>
+            </a:extLst>
+          </p:cNvPr>
+          <p:cNvCxnSpPr/>
+          <p:nvPr/>
+        </p:nvCxnSpPr>
+        <p:spPr>
+          <a:xfrm>
+            <a:off x="415636" y="711200"/>
+            <a:ext cx="11046691" cy="0"/>
+          </a:xfrm>
+          <a:prstGeom prst="line">
+            <a:avLst/>
+          </a:prstGeom>
+        </p:spPr>
+        <p:style>
+          <a:lnRef idx="1">
+            <a:schemeClr val="dk1"/>
+          </a:lnRef>
+          <a:fillRef idx="0">
+            <a:schemeClr val="dk1"/>
+          </a:fillRef>
+          <a:effectRef idx="0">
+            <a:schemeClr val="dk1"/>
+          </a:effectRef>
+          <a:fontRef idx="minor">
+            <a:schemeClr val="tx1"/>
+          </a:fontRef>
+        </p:style>
+      </p:cxnSp>
+      <p:cxnSp>
+        <p:nvCxnSpPr>
+          <p:cNvPr id="5" name="Conector recto 4">
+            <a:extLst>
+              <a:ext uri="{FF2B5EF4-FFF2-40B4-BE49-F238E27FC236}">
+                <a16:creationId xmlns:a16="http://schemas.microsoft.com/office/drawing/2014/main" id="{340BA571-0F1B-4139-8B64-093BEA820B13}"/>
+              </a:ext>
+            </a:extLst>
+          </p:cNvPr>
+          <p:cNvCxnSpPr/>
+          <p:nvPr/>
+        </p:nvCxnSpPr>
+        <p:spPr>
+          <a:xfrm>
+            <a:off x="11462327" y="729673"/>
+            <a:ext cx="0" cy="5634182"/>
+          </a:xfrm>
+          <a:prstGeom prst="line">
+            <a:avLst/>
+          </a:prstGeom>
+        </p:spPr>
+        <p:style>
+          <a:lnRef idx="1">
+            <a:schemeClr val="dk1"/>
+          </a:lnRef>
+          <a:fillRef idx="0">
+            <a:schemeClr val="dk1"/>
+          </a:fillRef>
+          <a:effectRef idx="0">
+            <a:schemeClr val="dk1"/>
+          </a:effectRef>
+          <a:fontRef idx="minor">
+            <a:schemeClr val="tx1"/>
+          </a:fontRef>
+        </p:style>
+      </p:cxnSp>
     </p:spTree>
   </p:cSld>
   <p:clrMapOvr>
@@ -16438,42 +16329,42 @@
 <file path=ppt/theme/theme1.xml><?xml version="1.0" encoding="utf-8"?>
 <a:theme xmlns:a="http://schemas.openxmlformats.org/drawingml/2006/main" name="Dividendo">
   <a:themeElements>
-    <a:clrScheme name="Dividend">
+    <a:clrScheme name="Office 2007-2010">
       <a:dk1>
-        <a:srgbClr val="000000"/>
+        <a:sysClr val="windowText" lastClr="000000"/>
       </a:dk1>
       <a:lt1>
-        <a:srgbClr val="FFFFFF"/>
+        <a:sysClr val="window" lastClr="FFFFFF"/>
       </a:lt1>
       <a:dk2>
-        <a:srgbClr val="3D3D3D"/>
+        <a:srgbClr val="1F497D"/>
       </a:dk2>
       <a:lt2>
-        <a:srgbClr val="EBEBEB"/>
+        <a:srgbClr val="EEECE1"/>
       </a:lt2>
       <a:accent1>
-        <a:srgbClr val="4D1434"/>
+        <a:srgbClr val="4F81BD"/>
       </a:accent1>
       <a:accent2>
-        <a:srgbClr val="903163"/>
+        <a:srgbClr val="C0504D"/>
       </a:accent2>
       <a:accent3>
-        <a:srgbClr val="B2324B"/>
+        <a:srgbClr val="9BBB59"/>
       </a:accent3>
       <a:accent4>
-        <a:srgbClr val="969FA7"/>
+        <a:srgbClr val="8064A2"/>
       </a:accent4>
       <a:accent5>
-        <a:srgbClr val="66B1CE"/>
+        <a:srgbClr val="4BACC6"/>
       </a:accent5>
       <a:accent6>
-        <a:srgbClr val="40619D"/>
+        <a:srgbClr val="F79646"/>
       </a:accent6>
       <a:hlink>
-        <a:srgbClr val="828282"/>
+        <a:srgbClr val="0000FF"/>
       </a:hlink>
       <a:folHlink>
-        <a:srgbClr val="A5A5A5"/>
+        <a:srgbClr val="800080"/>
       </a:folHlink>
     </a:clrScheme>
     <a:fontScheme name="Office">
